--- a/course_material/week_11/week_11_presentation.pptx
+++ b/course_material/week_11/week_11_presentation.pptx
@@ -5,7 +5,7 @@
     <p:sldMasterId id="2147483696" r:id="rId1"/>
   </p:sldMasterIdLst>
   <p:notesMasterIdLst>
-    <p:notesMasterId r:id="rId15"/>
+    <p:notesMasterId r:id="rId16"/>
   </p:notesMasterIdLst>
   <p:sldIdLst>
     <p:sldId id="256" r:id="rId2"/>
@@ -14,13 +14,14 @@
     <p:sldId id="320" r:id="rId5"/>
     <p:sldId id="316" r:id="rId6"/>
     <p:sldId id="323" r:id="rId7"/>
-    <p:sldId id="322" r:id="rId8"/>
-    <p:sldId id="324" r:id="rId9"/>
-    <p:sldId id="325" r:id="rId10"/>
-    <p:sldId id="326" r:id="rId11"/>
-    <p:sldId id="285" r:id="rId12"/>
-    <p:sldId id="321" r:id="rId13"/>
-    <p:sldId id="271" r:id="rId14"/>
+    <p:sldId id="327" r:id="rId8"/>
+    <p:sldId id="322" r:id="rId9"/>
+    <p:sldId id="324" r:id="rId10"/>
+    <p:sldId id="325" r:id="rId11"/>
+    <p:sldId id="326" r:id="rId12"/>
+    <p:sldId id="285" r:id="rId13"/>
+    <p:sldId id="321" r:id="rId14"/>
+    <p:sldId id="271" r:id="rId15"/>
   </p:sldIdLst>
   <p:sldSz cx="12192000" cy="6858000"/>
   <p:notesSz cx="6858000" cy="9144000"/>
@@ -1835,7 +1836,7 @@
           <a:p>
             <a:fld id="{5CF9EFDB-215C-4120-ADCB-EAD745B7163E}" type="datetimeFigureOut">
               <a:rPr lang="en-US" smtClean="0"/>
-              <a:t>11/19/2021</a:t>
+              <a:t>11/21/2021</a:t>
             </a:fld>
             <a:endParaRPr lang="en-US"/>
           </a:p>
@@ -2146,7 +2147,271 @@
           <a:bodyPr/>
           <a:lstStyle/>
           <a:p>
-            <a:endParaRPr lang="en-US" dirty="0"/>
+            <a:r>
+              <a:rPr lang="en-US" dirty="0"/>
+              <a:t>https://www.maths.ox.ac.uk/node/32370 </a:t>
+            </a:r>
+          </a:p>
+        </p:txBody>
+      </p:sp>
+      <p:sp>
+        <p:nvSpPr>
+          <p:cNvPr id="4" name="Slide Number Placeholder 3"/>
+          <p:cNvSpPr>
+            <a:spLocks noGrp="1"/>
+          </p:cNvSpPr>
+          <p:nvPr>
+            <p:ph type="sldNum" sz="quarter" idx="5"/>
+          </p:nvPr>
+        </p:nvSpPr>
+        <p:spPr/>
+        <p:txBody>
+          <a:bodyPr/>
+          <a:lstStyle/>
+          <a:p>
+            <a:fld id="{791F1524-C5FD-4370-8A10-5BE52A97A495}" type="slidenum">
+              <a:rPr lang="en-US" smtClean="0"/>
+              <a:t>5</a:t>
+            </a:fld>
+            <a:endParaRPr lang="en-US"/>
+          </a:p>
+        </p:txBody>
+      </p:sp>
+    </p:spTree>
+    <p:extLst>
+      <p:ext uri="{BB962C8B-B14F-4D97-AF65-F5344CB8AC3E}">
+        <p14:creationId xmlns:p14="http://schemas.microsoft.com/office/powerpoint/2010/main" val="2194456342"/>
+      </p:ext>
+    </p:extLst>
+  </p:cSld>
+  <p:clrMapOvr>
+    <a:masterClrMapping/>
+  </p:clrMapOvr>
+</p:notes>
+</file>
+
+<file path=ppt/notesSlides/notesSlide2.xml><?xml version="1.0" encoding="utf-8"?>
+<p:notes xmlns:a="http://schemas.openxmlformats.org/drawingml/2006/main" xmlns:r="http://schemas.openxmlformats.org/officeDocument/2006/relationships" xmlns:p="http://schemas.openxmlformats.org/presentationml/2006/main">
+  <p:cSld>
+    <p:spTree>
+      <p:nvGrpSpPr>
+        <p:cNvPr id="1" name=""/>
+        <p:cNvGrpSpPr/>
+        <p:nvPr/>
+      </p:nvGrpSpPr>
+      <p:grpSpPr>
+        <a:xfrm>
+          <a:off x="0" y="0"/>
+          <a:ext cx="0" cy="0"/>
+          <a:chOff x="0" y="0"/>
+          <a:chExt cx="0" cy="0"/>
+        </a:xfrm>
+      </p:grpSpPr>
+      <p:sp>
+        <p:nvSpPr>
+          <p:cNvPr id="2" name="Slide Image Placeholder 1"/>
+          <p:cNvSpPr>
+            <a:spLocks noGrp="1" noRot="1" noChangeAspect="1"/>
+          </p:cNvSpPr>
+          <p:nvPr>
+            <p:ph type="sldImg"/>
+          </p:nvPr>
+        </p:nvSpPr>
+        <p:spPr/>
+      </p:sp>
+      <p:sp>
+        <p:nvSpPr>
+          <p:cNvPr id="3" name="Notes Placeholder 2"/>
+          <p:cNvSpPr>
+            <a:spLocks noGrp="1"/>
+          </p:cNvSpPr>
+          <p:nvPr>
+            <p:ph type="body" idx="1"/>
+          </p:nvPr>
+        </p:nvSpPr>
+        <p:spPr/>
+        <p:txBody>
+          <a:bodyPr/>
+          <a:lstStyle/>
+          <a:p>
+            <a:r>
+              <a:rPr lang="en-US" dirty="0"/>
+              <a:t>https://towardsdatascience.com/stationarity-in-time-series-analysis-90c94f27322 </a:t>
+            </a:r>
+          </a:p>
+        </p:txBody>
+      </p:sp>
+      <p:sp>
+        <p:nvSpPr>
+          <p:cNvPr id="4" name="Slide Number Placeholder 3"/>
+          <p:cNvSpPr>
+            <a:spLocks noGrp="1"/>
+          </p:cNvSpPr>
+          <p:nvPr>
+            <p:ph type="sldNum" sz="quarter" idx="5"/>
+          </p:nvPr>
+        </p:nvSpPr>
+        <p:spPr/>
+        <p:txBody>
+          <a:bodyPr/>
+          <a:lstStyle/>
+          <a:p>
+            <a:fld id="{791F1524-C5FD-4370-8A10-5BE52A97A495}" type="slidenum">
+              <a:rPr lang="en-US" smtClean="0"/>
+              <a:t>9</a:t>
+            </a:fld>
+            <a:endParaRPr lang="en-US"/>
+          </a:p>
+        </p:txBody>
+      </p:sp>
+    </p:spTree>
+    <p:extLst>
+      <p:ext uri="{BB962C8B-B14F-4D97-AF65-F5344CB8AC3E}">
+        <p14:creationId xmlns:p14="http://schemas.microsoft.com/office/powerpoint/2010/main" val="3231130675"/>
+      </p:ext>
+    </p:extLst>
+  </p:cSld>
+  <p:clrMapOvr>
+    <a:masterClrMapping/>
+  </p:clrMapOvr>
+</p:notes>
+</file>
+
+<file path=ppt/notesSlides/notesSlide3.xml><?xml version="1.0" encoding="utf-8"?>
+<p:notes xmlns:a="http://schemas.openxmlformats.org/drawingml/2006/main" xmlns:r="http://schemas.openxmlformats.org/officeDocument/2006/relationships" xmlns:p="http://schemas.openxmlformats.org/presentationml/2006/main">
+  <p:cSld>
+    <p:spTree>
+      <p:nvGrpSpPr>
+        <p:cNvPr id="1" name=""/>
+        <p:cNvGrpSpPr/>
+        <p:nvPr/>
+      </p:nvGrpSpPr>
+      <p:grpSpPr>
+        <a:xfrm>
+          <a:off x="0" y="0"/>
+          <a:ext cx="0" cy="0"/>
+          <a:chOff x="0" y="0"/>
+          <a:chExt cx="0" cy="0"/>
+        </a:xfrm>
+      </p:grpSpPr>
+      <p:sp>
+        <p:nvSpPr>
+          <p:cNvPr id="2" name="Slide Image Placeholder 1"/>
+          <p:cNvSpPr>
+            <a:spLocks noGrp="1" noRot="1" noChangeAspect="1"/>
+          </p:cNvSpPr>
+          <p:nvPr>
+            <p:ph type="sldImg"/>
+          </p:nvPr>
+        </p:nvSpPr>
+        <p:spPr/>
+      </p:sp>
+      <p:sp>
+        <p:nvSpPr>
+          <p:cNvPr id="3" name="Notes Placeholder 2"/>
+          <p:cNvSpPr>
+            <a:spLocks noGrp="1"/>
+          </p:cNvSpPr>
+          <p:nvPr>
+            <p:ph type="body" idx="1"/>
+          </p:nvPr>
+        </p:nvSpPr>
+        <p:spPr/>
+        <p:txBody>
+          <a:bodyPr/>
+          <a:lstStyle/>
+          <a:p>
+            <a:r>
+              <a:rPr lang="en-US" dirty="0"/>
+              <a:t>https://www.investopedia.com/terms/s/sma.asp</a:t>
+            </a:r>
+          </a:p>
+        </p:txBody>
+      </p:sp>
+      <p:sp>
+        <p:nvSpPr>
+          <p:cNvPr id="4" name="Slide Number Placeholder 3"/>
+          <p:cNvSpPr>
+            <a:spLocks noGrp="1"/>
+          </p:cNvSpPr>
+          <p:nvPr>
+            <p:ph type="sldNum" sz="quarter" idx="5"/>
+          </p:nvPr>
+        </p:nvSpPr>
+        <p:spPr/>
+        <p:txBody>
+          <a:bodyPr/>
+          <a:lstStyle/>
+          <a:p>
+            <a:fld id="{791F1524-C5FD-4370-8A10-5BE52A97A495}" type="slidenum">
+              <a:rPr lang="en-US" smtClean="0"/>
+              <a:t>10</a:t>
+            </a:fld>
+            <a:endParaRPr lang="en-US"/>
+          </a:p>
+        </p:txBody>
+      </p:sp>
+    </p:spTree>
+    <p:extLst>
+      <p:ext uri="{BB962C8B-B14F-4D97-AF65-F5344CB8AC3E}">
+        <p14:creationId xmlns:p14="http://schemas.microsoft.com/office/powerpoint/2010/main" val="2627494216"/>
+      </p:ext>
+    </p:extLst>
+  </p:cSld>
+  <p:clrMapOvr>
+    <a:masterClrMapping/>
+  </p:clrMapOvr>
+</p:notes>
+</file>
+
+<file path=ppt/notesSlides/notesSlide4.xml><?xml version="1.0" encoding="utf-8"?>
+<p:notes xmlns:a="http://schemas.openxmlformats.org/drawingml/2006/main" xmlns:r="http://schemas.openxmlformats.org/officeDocument/2006/relationships" xmlns:p="http://schemas.openxmlformats.org/presentationml/2006/main">
+  <p:cSld>
+    <p:spTree>
+      <p:nvGrpSpPr>
+        <p:cNvPr id="1" name=""/>
+        <p:cNvGrpSpPr/>
+        <p:nvPr/>
+      </p:nvGrpSpPr>
+      <p:grpSpPr>
+        <a:xfrm>
+          <a:off x="0" y="0"/>
+          <a:ext cx="0" cy="0"/>
+          <a:chOff x="0" y="0"/>
+          <a:chExt cx="0" cy="0"/>
+        </a:xfrm>
+      </p:grpSpPr>
+      <p:sp>
+        <p:nvSpPr>
+          <p:cNvPr id="2" name="Slide Image Placeholder 1"/>
+          <p:cNvSpPr>
+            <a:spLocks noGrp="1" noRot="1" noChangeAspect="1"/>
+          </p:cNvSpPr>
+          <p:nvPr>
+            <p:ph type="sldImg"/>
+          </p:nvPr>
+        </p:nvSpPr>
+        <p:spPr/>
+      </p:sp>
+      <p:sp>
+        <p:nvSpPr>
+          <p:cNvPr id="3" name="Notes Placeholder 2"/>
+          <p:cNvSpPr>
+            <a:spLocks noGrp="1"/>
+          </p:cNvSpPr>
+          <p:nvPr>
+            <p:ph type="body" idx="1"/>
+          </p:nvPr>
+        </p:nvSpPr>
+        <p:spPr/>
+        <p:txBody>
+          <a:bodyPr/>
+          <a:lstStyle/>
+          <a:p>
+            <a:r>
+              <a:rPr lang="en-US" dirty="0"/>
+              <a:t>https://timeseriesreasoning.com/contents/time-series-decomposition/</a:t>
+            </a:r>
           </a:p>
         </p:txBody>
       </p:sp>
@@ -2168,6 +2433,90 @@
             <a:fld id="{791F1524-C5FD-4370-8A10-5BE52A97A495}" type="slidenum">
               <a:rPr lang="en-US" smtClean="0"/>
               <a:t>11</a:t>
+            </a:fld>
+            <a:endParaRPr lang="en-US"/>
+          </a:p>
+        </p:txBody>
+      </p:sp>
+    </p:spTree>
+    <p:extLst>
+      <p:ext uri="{BB962C8B-B14F-4D97-AF65-F5344CB8AC3E}">
+        <p14:creationId xmlns:p14="http://schemas.microsoft.com/office/powerpoint/2010/main" val="3986209553"/>
+      </p:ext>
+    </p:extLst>
+  </p:cSld>
+  <p:clrMapOvr>
+    <a:masterClrMapping/>
+  </p:clrMapOvr>
+</p:notes>
+</file>
+
+<file path=ppt/notesSlides/notesSlide5.xml><?xml version="1.0" encoding="utf-8"?>
+<p:notes xmlns:a="http://schemas.openxmlformats.org/drawingml/2006/main" xmlns:r="http://schemas.openxmlformats.org/officeDocument/2006/relationships" xmlns:p="http://schemas.openxmlformats.org/presentationml/2006/main">
+  <p:cSld>
+    <p:spTree>
+      <p:nvGrpSpPr>
+        <p:cNvPr id="1" name=""/>
+        <p:cNvGrpSpPr/>
+        <p:nvPr/>
+      </p:nvGrpSpPr>
+      <p:grpSpPr>
+        <a:xfrm>
+          <a:off x="0" y="0"/>
+          <a:ext cx="0" cy="0"/>
+          <a:chOff x="0" y="0"/>
+          <a:chExt cx="0" cy="0"/>
+        </a:xfrm>
+      </p:grpSpPr>
+      <p:sp>
+        <p:nvSpPr>
+          <p:cNvPr id="2" name="Slide Image Placeholder 1"/>
+          <p:cNvSpPr>
+            <a:spLocks noGrp="1" noRot="1" noChangeAspect="1"/>
+          </p:cNvSpPr>
+          <p:nvPr>
+            <p:ph type="sldImg"/>
+          </p:nvPr>
+        </p:nvSpPr>
+        <p:spPr/>
+      </p:sp>
+      <p:sp>
+        <p:nvSpPr>
+          <p:cNvPr id="3" name="Notes Placeholder 2"/>
+          <p:cNvSpPr>
+            <a:spLocks noGrp="1"/>
+          </p:cNvSpPr>
+          <p:nvPr>
+            <p:ph type="body" idx="1"/>
+          </p:nvPr>
+        </p:nvSpPr>
+        <p:spPr/>
+        <p:txBody>
+          <a:bodyPr/>
+          <a:lstStyle/>
+          <a:p>
+            <a:endParaRPr lang="en-US" dirty="0"/>
+          </a:p>
+        </p:txBody>
+      </p:sp>
+      <p:sp>
+        <p:nvSpPr>
+          <p:cNvPr id="4" name="Slide Number Placeholder 3"/>
+          <p:cNvSpPr>
+            <a:spLocks noGrp="1"/>
+          </p:cNvSpPr>
+          <p:nvPr>
+            <p:ph type="sldNum" sz="quarter" idx="5"/>
+          </p:nvPr>
+        </p:nvSpPr>
+        <p:spPr/>
+        <p:txBody>
+          <a:bodyPr/>
+          <a:lstStyle/>
+          <a:p>
+            <a:fld id="{791F1524-C5FD-4370-8A10-5BE52A97A495}" type="slidenum">
+              <a:rPr lang="en-US" smtClean="0"/>
+              <a:t>12</a:t>
             </a:fld>
             <a:endParaRPr lang="en-US"/>
           </a:p>
@@ -2380,7 +2729,7 @@
           <a:p>
             <a:fld id="{ACF1A1B0-862D-4909-A7DB-D8ADA062DFCA}" type="datetimeFigureOut">
               <a:rPr lang="en-US" dirty="0"/>
-              <a:t>11/19/2021</a:t>
+              <a:t>11/21/2021</a:t>
             </a:fld>
             <a:endParaRPr lang="en-US"/>
           </a:p>
@@ -2603,7 +2952,7 @@
           <a:p>
             <a:fld id="{7B156144-9CB7-4E3A-B87E-A382F9BE05EF}" type="datetimeFigureOut">
               <a:rPr lang="en-US" dirty="0"/>
-              <a:t>11/19/2021</a:t>
+              <a:t>11/21/2021</a:t>
             </a:fld>
             <a:endParaRPr lang="en-US"/>
           </a:p>
@@ -2781,7 +3130,7 @@
           <a:p>
             <a:fld id="{2643D55F-46AB-4791-9172-4FA8DD3A6A9C}" type="datetimeFigureOut">
               <a:rPr lang="en-US" dirty="0"/>
-              <a:t>11/19/2021</a:t>
+              <a:t>11/21/2021</a:t>
             </a:fld>
             <a:endParaRPr lang="en-US"/>
           </a:p>
@@ -2949,7 +3298,7 @@
           <a:p>
             <a:fld id="{58026881-8A08-449C-8D73-E5F201F814C1}" type="datetimeFigureOut">
               <a:rPr lang="en-US" dirty="0"/>
-              <a:t>11/19/2021</a:t>
+              <a:t>11/21/2021</a:t>
             </a:fld>
             <a:endParaRPr lang="en-US"/>
           </a:p>
@@ -3239,7 +3588,7 @@
           <a:p>
             <a:fld id="{1BEB5A5E-0C07-4E93-A112-D37B4D166B30}" type="datetimeFigureOut">
               <a:rPr lang="en-US" dirty="0"/>
-              <a:t>11/19/2021</a:t>
+              <a:t>11/21/2021</a:t>
             </a:fld>
             <a:endParaRPr lang="en-US"/>
           </a:p>
@@ -3562,7 +3911,7 @@
           <a:p>
             <a:fld id="{9E1F71C5-DC57-4358-A1EA-30C08AF6E3C5}" type="datetimeFigureOut">
               <a:rPr lang="en-US" dirty="0"/>
-              <a:t>11/19/2021</a:t>
+              <a:t>11/21/2021</a:t>
             </a:fld>
             <a:endParaRPr lang="en-US"/>
           </a:p>
@@ -3971,7 +4320,7 @@
           <a:p>
             <a:fld id="{12571DBA-DE60-4731-B773-47AAA185C143}" type="datetimeFigureOut">
               <a:rPr lang="en-US" dirty="0"/>
-              <a:t>11/19/2021</a:t>
+              <a:t>11/21/2021</a:t>
             </a:fld>
             <a:endParaRPr lang="en-US"/>
           </a:p>
@@ -4088,7 +4437,7 @@
           <a:p>
             <a:fld id="{4F170639-886C-4FCF-9EAB-ABB5DA3F3F4A}" type="datetimeFigureOut">
               <a:rPr lang="en-US" dirty="0"/>
-              <a:t>11/19/2021</a:t>
+              <a:t>11/21/2021</a:t>
             </a:fld>
             <a:endParaRPr lang="en-US"/>
           </a:p>
@@ -4183,7 +4532,7 @@
           <a:p>
             <a:fld id="{34C4A628-C83B-4C66-83F4-1711CE3738FD}" type="datetimeFigureOut">
               <a:rPr lang="en-US" dirty="0"/>
-              <a:t>11/19/2021</a:t>
+              <a:t>11/21/2021</a:t>
             </a:fld>
             <a:endParaRPr lang="en-US"/>
           </a:p>
@@ -4468,7 +4817,7 @@
           <a:p>
             <a:fld id="{B88C1D73-9400-43CA-A37F-F9B7D00DE14C}" type="datetimeFigureOut">
               <a:rPr lang="en-US" dirty="0"/>
-              <a:t>11/19/2021</a:t>
+              <a:t>11/21/2021</a:t>
             </a:fld>
             <a:endParaRPr lang="en-US"/>
           </a:p>
@@ -4740,7 +5089,7 @@
           <a:p>
             <a:fld id="{188B7711-B905-4633-B4D7-6F3A49A2E7D9}" type="datetimeFigureOut">
               <a:rPr lang="en-US" dirty="0"/>
-              <a:t>11/19/2021</a:t>
+              <a:t>11/21/2021</a:t>
             </a:fld>
             <a:endParaRPr lang="en-US"/>
           </a:p>
@@ -4990,7 +5339,7 @@
             <a:fld id="{89C235CF-BDA2-4E7E-8BBD-350479985E74}" type="datetimeFigureOut">
               <a:rPr lang="en-US" dirty="0"/>
               <a:pPr/>
-              <a:t>11/19/2021</a:t>
+              <a:t>11/21/2021</a:t>
             </a:fld>
             <a:endParaRPr lang="en-US"/>
           </a:p>
@@ -5537,6 +5886,14 @@
 <file path=ppt/slides/slide10.xml><?xml version="1.0" encoding="utf-8"?>
 <p:sld xmlns:a="http://schemas.openxmlformats.org/drawingml/2006/main" xmlns:r="http://schemas.openxmlformats.org/officeDocument/2006/relationships" xmlns:p="http://schemas.openxmlformats.org/presentationml/2006/main">
   <p:cSld>
+    <p:bg>
+      <p:bgPr>
+        <a:solidFill>
+          <a:schemeClr val="bg1"/>
+        </a:solidFill>
+        <a:effectLst/>
+      </p:bgPr>
+    </p:bg>
     <p:spTree>
       <p:nvGrpSpPr>
         <p:cNvPr id="1" name=""/>
@@ -5556,7 +5913,7 @@
           <p:cNvPr id="2" name="Title 1">
             <a:extLst>
               <a:ext uri="{FF2B5EF4-FFF2-40B4-BE49-F238E27FC236}">
-                <a16:creationId xmlns:a16="http://schemas.microsoft.com/office/drawing/2014/main" id="{CCC79FCA-5099-47AE-A701-104FE50C6291}"/>
+                <a16:creationId xmlns:a16="http://schemas.microsoft.com/office/drawing/2014/main" id="{620A1668-9378-4F21-B0CF-F039876D7019}"/>
               </a:ext>
             </a:extLst>
           </p:cNvPr>
@@ -5567,14 +5924,21 @@
             <p:ph type="title"/>
           </p:nvPr>
         </p:nvSpPr>
-        <p:spPr/>
-        <p:txBody>
-          <a:bodyPr/>
+        <p:spPr>
+          <a:xfrm>
+            <a:off x="643831" y="640080"/>
+            <a:ext cx="3690425" cy="1325562"/>
+          </a:xfrm>
+        </p:spPr>
+        <p:txBody>
+          <a:bodyPr>
+            <a:normAutofit/>
+          </a:bodyPr>
           <a:lstStyle/>
           <a:p>
             <a:r>
-              <a:rPr lang="en-US" dirty="0"/>
-              <a:t>Seasonality (S)</a:t>
+              <a:rPr lang="en-US" sz="3200"/>
+              <a:t>Moving Average (MA)</a:t>
             </a:r>
           </a:p>
         </p:txBody>
@@ -5584,7 +5948,7 @@
           <p:cNvPr id="3" name="Content Placeholder 2">
             <a:extLst>
               <a:ext uri="{FF2B5EF4-FFF2-40B4-BE49-F238E27FC236}">
-                <a16:creationId xmlns:a16="http://schemas.microsoft.com/office/drawing/2014/main" id="{D60B145C-5AEE-4C9C-B407-E9D74E658F6F}"/>
+                <a16:creationId xmlns:a16="http://schemas.microsoft.com/office/drawing/2014/main" id="{99ED2EB7-96AA-4AF3-B403-14B70E8CB3CF}"/>
               </a:ext>
             </a:extLst>
           </p:cNvPr>
@@ -5595,19 +5959,65 @@
             <p:ph idx="1"/>
           </p:nvPr>
         </p:nvSpPr>
-        <p:spPr/>
-        <p:txBody>
-          <a:bodyPr/>
+        <p:spPr>
+          <a:xfrm>
+            <a:off x="643831" y="1936955"/>
+            <a:ext cx="3690425" cy="4243182"/>
+          </a:xfrm>
+        </p:spPr>
+        <p:txBody>
+          <a:bodyPr>
+            <a:normAutofit/>
+          </a:bodyPr>
           <a:lstStyle/>
           <a:p>
-            <a:endParaRPr lang="en-US"/>
-          </a:p>
-        </p:txBody>
-      </p:sp>
+            <a:r>
+              <a:rPr lang="en-US" sz="1600" dirty="0"/>
+              <a:t>Helps smooth out data over a particular time period by creating a constantly averaged value.</a:t>
+            </a:r>
+          </a:p>
+          <a:p>
+            <a:r>
+              <a:rPr lang="en-US" sz="1600" dirty="0"/>
+              <a:t>Calculated by adding up all the values over a  chosen time period and dividing by number of values.</a:t>
+            </a:r>
+          </a:p>
+        </p:txBody>
+      </p:sp>
+      <p:pic>
+        <p:nvPicPr>
+          <p:cNvPr id="4" name="Picture 3">
+            <a:extLst>
+              <a:ext uri="{FF2B5EF4-FFF2-40B4-BE49-F238E27FC236}">
+                <a16:creationId xmlns:a16="http://schemas.microsoft.com/office/drawing/2014/main" id="{977062D1-33C4-4CDC-A311-D152E0F43EF1}"/>
+              </a:ext>
+            </a:extLst>
+          </p:cNvPr>
+          <p:cNvPicPr>
+            <a:picLocks noChangeAspect="1"/>
+          </p:cNvPicPr>
+          <p:nvPr/>
+        </p:nvPicPr>
+        <p:blipFill>
+          <a:blip r:embed="rId3"/>
+          <a:stretch>
+            <a:fillRect/>
+          </a:stretch>
+        </p:blipFill>
+        <p:spPr>
+          <a:xfrm>
+            <a:off x="4654296" y="1387348"/>
+            <a:ext cx="6155736" cy="4093564"/>
+          </a:xfrm>
+          <a:prstGeom prst="rect">
+            <a:avLst/>
+          </a:prstGeom>
+        </p:spPr>
+      </p:pic>
     </p:spTree>
     <p:extLst>
       <p:ext uri="{BB962C8B-B14F-4D97-AF65-F5344CB8AC3E}">
-        <p14:creationId xmlns:p14="http://schemas.microsoft.com/office/powerpoint/2010/main" val="2976552890"/>
+        <p14:creationId xmlns:p14="http://schemas.microsoft.com/office/powerpoint/2010/main" val="395636490"/>
       </p:ext>
     </p:extLst>
   </p:cSld>
@@ -5620,6 +6030,14 @@
 <file path=ppt/slides/slide11.xml><?xml version="1.0" encoding="utf-8"?>
 <p:sld xmlns:a="http://schemas.openxmlformats.org/drawingml/2006/main" xmlns:r="http://schemas.openxmlformats.org/officeDocument/2006/relationships" xmlns:p="http://schemas.openxmlformats.org/presentationml/2006/main">
   <p:cSld>
+    <p:bg>
+      <p:bgPr>
+        <a:solidFill>
+          <a:schemeClr val="bg1"/>
+        </a:solidFill>
+        <a:effectLst/>
+      </p:bgPr>
+    </p:bg>
     <p:spTree>
       <p:nvGrpSpPr>
         <p:cNvPr id="1" name=""/>
@@ -5636,10 +6054,10 @@
       </p:grpSpPr>
       <p:sp>
         <p:nvSpPr>
-          <p:cNvPr id="4" name="Title 3">
+          <p:cNvPr id="2" name="Title 1">
             <a:extLst>
               <a:ext uri="{FF2B5EF4-FFF2-40B4-BE49-F238E27FC236}">
-                <a16:creationId xmlns:a16="http://schemas.microsoft.com/office/drawing/2014/main" id="{297BDE90-8DCF-4039-AB05-11C3F09C3813}"/>
+                <a16:creationId xmlns:a16="http://schemas.microsoft.com/office/drawing/2014/main" id="{CCC79FCA-5099-47AE-A701-104FE50C6291}"/>
               </a:ext>
             </a:extLst>
           </p:cNvPr>
@@ -5647,27 +6065,34 @@
             <a:spLocks noGrp="1"/>
           </p:cNvSpPr>
           <p:nvPr>
-            <p:ph type="ctrTitle"/>
-          </p:nvPr>
-        </p:nvSpPr>
-        <p:spPr/>
-        <p:txBody>
-          <a:bodyPr/>
+            <p:ph type="title"/>
+          </p:nvPr>
+        </p:nvSpPr>
+        <p:spPr>
+          <a:xfrm>
+            <a:off x="473603" y="641063"/>
+            <a:ext cx="3721075" cy="5572924"/>
+          </a:xfrm>
+        </p:spPr>
+        <p:txBody>
+          <a:bodyPr anchor="t">
+            <a:normAutofit/>
+          </a:bodyPr>
           <a:lstStyle/>
           <a:p>
             <a:r>
               <a:rPr lang="en-US" dirty="0"/>
-              <a:t>Break (15 Minutes)</a:t>
-            </a:r>
-          </a:p>
-        </p:txBody>
-      </p:sp>
-      <p:sp>
-        <p:nvSpPr>
-          <p:cNvPr id="5" name="Subtitle 4">
+              <a:t>Seasonality (S)</a:t>
+            </a:r>
+          </a:p>
+        </p:txBody>
+      </p:sp>
+      <p:sp>
+        <p:nvSpPr>
+          <p:cNvPr id="3" name="Content Placeholder 2">
             <a:extLst>
               <a:ext uri="{FF2B5EF4-FFF2-40B4-BE49-F238E27FC236}">
-                <a16:creationId xmlns:a16="http://schemas.microsoft.com/office/drawing/2014/main" id="{AE43AD4D-53BE-4D90-B4EE-A313556AC5A9}"/>
+                <a16:creationId xmlns:a16="http://schemas.microsoft.com/office/drawing/2014/main" id="{D60B145C-5AEE-4C9C-B407-E9D74E658F6F}"/>
               </a:ext>
             </a:extLst>
           </p:cNvPr>
@@ -5675,47 +6100,90 @@
             <a:spLocks noGrp="1"/>
           </p:cNvSpPr>
           <p:nvPr>
-            <p:ph type="subTitle" idx="1"/>
-          </p:nvPr>
-        </p:nvSpPr>
-        <p:spPr/>
-        <p:txBody>
-          <a:bodyPr/>
+            <p:ph idx="1"/>
+          </p:nvPr>
+        </p:nvSpPr>
+        <p:spPr>
+          <a:xfrm>
+            <a:off x="4705894" y="641064"/>
+            <a:ext cx="6286571" cy="3714626"/>
+          </a:xfrm>
+        </p:spPr>
+        <p:txBody>
+          <a:bodyPr>
+            <a:normAutofit/>
+          </a:bodyPr>
           <a:lstStyle/>
           <a:p>
             <a:r>
               <a:rPr lang="en-US" dirty="0"/>
-              <a:t>Attendance word: </a:t>
-            </a:r>
-            <a:r>
-              <a:rPr lang="en-US" b="0" i="0" dirty="0" err="1">
+              <a:t>Pattern that occurs at a regular interval</a:t>
+            </a:r>
+          </a:p>
+          <a:p>
+            <a:r>
+              <a:rPr lang="en-US" dirty="0"/>
+              <a:t>Can be additive or multiplicative</a:t>
+            </a:r>
+          </a:p>
+          <a:p>
+            <a:r>
+              <a:rPr lang="en-US" dirty="0"/>
+              <a:t>Can decompose the data to understand the seasonality component</a:t>
+            </a:r>
+          </a:p>
+        </p:txBody>
+      </p:sp>
+      <p:pic>
+        <p:nvPicPr>
+          <p:cNvPr id="4098" name="Picture 2" descr="Output of seasonal_decompose() on the Retail Used Car Sales data set">
+            <a:extLst>
+              <a:ext uri="{FF2B5EF4-FFF2-40B4-BE49-F238E27FC236}">
+                <a16:creationId xmlns:a16="http://schemas.microsoft.com/office/drawing/2014/main" id="{AF2BCCF4-A7CD-4DD2-8A97-F72AB0CFF8B2}"/>
+              </a:ext>
+            </a:extLst>
+          </p:cNvPr>
+          <p:cNvPicPr>
+            <a:picLocks noChangeAspect="1" noChangeArrowheads="1"/>
+          </p:cNvPicPr>
+          <p:nvPr/>
+        </p:nvPicPr>
+        <p:blipFill>
+          <a:blip r:embed="rId3">
+            <a:extLst>
+              <a:ext uri="{28A0092B-C50C-407E-A947-70E740481C1C}">
+                <a14:useLocalDpi xmlns:a14="http://schemas.microsoft.com/office/drawing/2010/main" val="0"/>
+              </a:ext>
+            </a:extLst>
+          </a:blip>
+          <a:stretch>
+            <a:fillRect/>
+          </a:stretch>
+        </p:blipFill>
+        <p:spPr bwMode="auto">
+          <a:xfrm>
+            <a:off x="1424354" y="2279691"/>
+            <a:ext cx="8678416" cy="4209032"/>
+          </a:xfrm>
+          <a:prstGeom prst="rect">
+            <a:avLst/>
+          </a:prstGeom>
+          <a:noFill/>
+          <a:extLst>
+            <a:ext uri="{909E8E84-426E-40DD-AFC4-6F175D3DCCD1}">
+              <a14:hiddenFill xmlns:a14="http://schemas.microsoft.com/office/drawing/2010/main">
                 <a:solidFill>
-                  <a:schemeClr val="tx1"/>
+                  <a:srgbClr val="FFFFFF"/>
                 </a:solidFill>
-                <a:effectLst/>
-                <a:latin typeface="Slack-Lato"/>
-              </a:rPr>
-              <a:t>OutstandingOpsEngineer</a:t>
-            </a:r>
-            <a:endParaRPr lang="en-US" dirty="0">
-              <a:solidFill>
-                <a:schemeClr val="tx1"/>
-              </a:solidFill>
-            </a:endParaRPr>
-          </a:p>
-          <a:p>
-            <a:endParaRPr lang="en-US" dirty="0">
-              <a:solidFill>
-                <a:schemeClr val="tx1"/>
-              </a:solidFill>
-            </a:endParaRPr>
-          </a:p>
-        </p:txBody>
-      </p:sp>
+              </a14:hiddenFill>
+            </a:ext>
+          </a:extLst>
+        </p:spPr>
+      </p:pic>
     </p:spTree>
     <p:extLst>
       <p:ext uri="{BB962C8B-B14F-4D97-AF65-F5344CB8AC3E}">
-        <p14:creationId xmlns:p14="http://schemas.microsoft.com/office/powerpoint/2010/main" val="3877287137"/>
+        <p14:creationId xmlns:p14="http://schemas.microsoft.com/office/powerpoint/2010/main" val="2976552890"/>
       </p:ext>
     </p:extLst>
   </p:cSld>
@@ -5744,6 +6212,114 @@
       </p:grpSpPr>
       <p:sp>
         <p:nvSpPr>
+          <p:cNvPr id="4" name="Title 3">
+            <a:extLst>
+              <a:ext uri="{FF2B5EF4-FFF2-40B4-BE49-F238E27FC236}">
+                <a16:creationId xmlns:a16="http://schemas.microsoft.com/office/drawing/2014/main" id="{297BDE90-8DCF-4039-AB05-11C3F09C3813}"/>
+              </a:ext>
+            </a:extLst>
+          </p:cNvPr>
+          <p:cNvSpPr>
+            <a:spLocks noGrp="1"/>
+          </p:cNvSpPr>
+          <p:nvPr>
+            <p:ph type="ctrTitle"/>
+          </p:nvPr>
+        </p:nvSpPr>
+        <p:spPr/>
+        <p:txBody>
+          <a:bodyPr/>
+          <a:lstStyle/>
+          <a:p>
+            <a:r>
+              <a:rPr lang="en-US" dirty="0"/>
+              <a:t>Break (15 Minutes)</a:t>
+            </a:r>
+          </a:p>
+        </p:txBody>
+      </p:sp>
+      <p:sp>
+        <p:nvSpPr>
+          <p:cNvPr id="5" name="Subtitle 4">
+            <a:extLst>
+              <a:ext uri="{FF2B5EF4-FFF2-40B4-BE49-F238E27FC236}">
+                <a16:creationId xmlns:a16="http://schemas.microsoft.com/office/drawing/2014/main" id="{AE43AD4D-53BE-4D90-B4EE-A313556AC5A9}"/>
+              </a:ext>
+            </a:extLst>
+          </p:cNvPr>
+          <p:cNvSpPr>
+            <a:spLocks noGrp="1"/>
+          </p:cNvSpPr>
+          <p:nvPr>
+            <p:ph type="subTitle" idx="1"/>
+          </p:nvPr>
+        </p:nvSpPr>
+        <p:spPr/>
+        <p:txBody>
+          <a:bodyPr/>
+          <a:lstStyle/>
+          <a:p>
+            <a:r>
+              <a:rPr lang="en-US" dirty="0"/>
+              <a:t>Attendance word: </a:t>
+            </a:r>
+            <a:r>
+              <a:rPr lang="en-US" b="0" i="0" dirty="0" err="1">
+                <a:solidFill>
+                  <a:schemeClr val="tx1"/>
+                </a:solidFill>
+                <a:effectLst/>
+                <a:latin typeface="Slack-Lato"/>
+              </a:rPr>
+              <a:t>OutstandingOpsEngineer</a:t>
+            </a:r>
+            <a:endParaRPr lang="en-US" dirty="0">
+              <a:solidFill>
+                <a:schemeClr val="tx1"/>
+              </a:solidFill>
+            </a:endParaRPr>
+          </a:p>
+          <a:p>
+            <a:endParaRPr lang="en-US" dirty="0">
+              <a:solidFill>
+                <a:schemeClr val="tx1"/>
+              </a:solidFill>
+            </a:endParaRPr>
+          </a:p>
+        </p:txBody>
+      </p:sp>
+    </p:spTree>
+    <p:extLst>
+      <p:ext uri="{BB962C8B-B14F-4D97-AF65-F5344CB8AC3E}">
+        <p14:creationId xmlns:p14="http://schemas.microsoft.com/office/powerpoint/2010/main" val="3877287137"/>
+      </p:ext>
+    </p:extLst>
+  </p:cSld>
+  <p:clrMapOvr>
+    <a:masterClrMapping/>
+  </p:clrMapOvr>
+</p:sld>
+</file>
+
+<file path=ppt/slides/slide13.xml><?xml version="1.0" encoding="utf-8"?>
+<p:sld xmlns:a="http://schemas.openxmlformats.org/drawingml/2006/main" xmlns:r="http://schemas.openxmlformats.org/officeDocument/2006/relationships" xmlns:p="http://schemas.openxmlformats.org/presentationml/2006/main">
+  <p:cSld>
+    <p:spTree>
+      <p:nvGrpSpPr>
+        <p:cNvPr id="1" name=""/>
+        <p:cNvGrpSpPr/>
+        <p:nvPr/>
+      </p:nvGrpSpPr>
+      <p:grpSpPr>
+        <a:xfrm>
+          <a:off x="0" y="0"/>
+          <a:ext cx="0" cy="0"/>
+          <a:chOff x="0" y="0"/>
+          <a:chExt cx="0" cy="0"/>
+        </a:xfrm>
+      </p:grpSpPr>
+      <p:sp>
+        <p:nvSpPr>
           <p:cNvPr id="2" name="Title 1">
             <a:extLst>
               <a:ext uri="{FF2B5EF4-FFF2-40B4-BE49-F238E27FC236}">
@@ -5845,7 +6421,7 @@
 </p:sld>
 </file>
 
-<file path=ppt/slides/slide13.xml><?xml version="1.0" encoding="utf-8"?>
+<file path=ppt/slides/slide14.xml><?xml version="1.0" encoding="utf-8"?>
 <p:sld xmlns:a="http://schemas.openxmlformats.org/drawingml/2006/main" xmlns:r="http://schemas.openxmlformats.org/officeDocument/2006/relationships" xmlns:p="http://schemas.openxmlformats.org/presentationml/2006/main">
   <p:cSld>
     <p:spTree>
@@ -6032,14 +6608,8 @@
             </a:pPr>
             <a:r>
               <a:rPr lang="en-US" dirty="0"/>
-              <a:t>Write a recursive function to </a:t>
-            </a:r>
-          </a:p>
-          <a:p>
-            <a:endParaRPr lang="en-US" dirty="0"/>
-          </a:p>
-          <a:p>
-            <a:endParaRPr lang="en-US" dirty="0"/>
+              <a:t>Write a recursive function to multiply a number by two until the square of the original number is reached or passed (only passed by a single value). Pay careful attention to where your print or return is located. </a:t>
+            </a:r>
           </a:p>
           <a:p>
             <a:endParaRPr lang="en-US" dirty="0"/>
@@ -6160,7 +6730,7 @@
           <a:p>
             <a:r>
               <a:rPr lang="en-US" dirty="0"/>
-              <a:t>Timeseries Analysis (40 mins)</a:t>
+              <a:t>Time Series Analysis Concepts (30 mins)</a:t>
             </a:r>
           </a:p>
           <a:p>
@@ -6172,13 +6742,13 @@
           <a:p>
             <a:r>
               <a:rPr lang="en-US" dirty="0"/>
+              <a:t>Time Series Analysis in Python (20 mins)</a:t>
+            </a:r>
+          </a:p>
+          <a:p>
+            <a:r>
+              <a:rPr lang="en-US" dirty="0"/>
               <a:t>Fourier transform (20 mins)</a:t>
-            </a:r>
-          </a:p>
-          <a:p>
-            <a:r>
-              <a:rPr lang="en-US" dirty="0"/>
-              <a:t>Recursion (10 mins) </a:t>
             </a:r>
           </a:p>
           <a:p>
@@ -6315,6 +6885,14 @@
 <file path=ppt/slides/slide5.xml><?xml version="1.0" encoding="utf-8"?>
 <p:sld xmlns:a="http://schemas.openxmlformats.org/drawingml/2006/main" xmlns:r="http://schemas.openxmlformats.org/officeDocument/2006/relationships" xmlns:p="http://schemas.openxmlformats.org/presentationml/2006/main">
   <p:cSld>
+    <p:bg>
+      <p:bgPr>
+        <a:solidFill>
+          <a:schemeClr val="bg1"/>
+        </a:solidFill>
+        <a:effectLst/>
+      </p:bgPr>
+    </p:bg>
     <p:spTree>
       <p:nvGrpSpPr>
         <p:cNvPr id="1" name=""/>
@@ -6345,14 +6923,21 @@
             <p:ph type="title"/>
           </p:nvPr>
         </p:nvSpPr>
-        <p:spPr/>
-        <p:txBody>
-          <a:bodyPr/>
+        <p:spPr>
+          <a:xfrm>
+            <a:off x="1261872" y="365760"/>
+            <a:ext cx="9692640" cy="1325562"/>
+          </a:xfrm>
+        </p:spPr>
+        <p:txBody>
+          <a:bodyPr>
+            <a:normAutofit/>
+          </a:bodyPr>
           <a:lstStyle/>
           <a:p>
             <a:r>
               <a:rPr lang="en-US" dirty="0"/>
-              <a:t>Timeseries Analysis</a:t>
+              <a:t>Time series Analysis</a:t>
             </a:r>
           </a:p>
         </p:txBody>
@@ -6373,9 +6958,16 @@
             <p:ph idx="1"/>
           </p:nvPr>
         </p:nvSpPr>
-        <p:spPr/>
-        <p:txBody>
-          <a:bodyPr/>
+        <p:spPr>
+          <a:xfrm>
+            <a:off x="1261872" y="1828800"/>
+            <a:ext cx="5852160" cy="4351337"/>
+          </a:xfrm>
+        </p:spPr>
+        <p:txBody>
+          <a:bodyPr>
+            <a:normAutofit/>
+          </a:bodyPr>
           <a:lstStyle/>
           <a:p>
             <a:pPr marL="274320" lvl="1" indent="0">
@@ -6383,7 +6975,7 @@
             </a:pPr>
             <a:r>
               <a:rPr lang="en-US" dirty="0"/>
-              <a:t>Timeseries data –</a:t>
+              <a:t>Time series data – sequence of data taken at points in time (ideally equally spaced)</a:t>
             </a:r>
           </a:p>
           <a:p>
@@ -6398,6 +6990,21 @@
             </a:pPr>
             <a:r>
               <a:rPr lang="en-US" dirty="0"/>
+              <a:t>Stochastic – random; processes generating timeseries data, where the values evolve in time based on laws of probability</a:t>
+            </a:r>
+          </a:p>
+          <a:p>
+            <a:pPr marL="274320" lvl="1" indent="0">
+              <a:buNone/>
+            </a:pPr>
+            <a:endParaRPr lang="en-US" dirty="0"/>
+          </a:p>
+          <a:p>
+            <a:pPr marL="274320" lvl="1" indent="0">
+              <a:buNone/>
+            </a:pPr>
+            <a:r>
+              <a:rPr lang="en-US" dirty="0"/>
               <a:t>Many statistical models for analyzing timeseries data:</a:t>
             </a:r>
           </a:p>
@@ -6408,7 +7015,7 @@
             </a:pPr>
             <a:r>
               <a:rPr lang="en-US" dirty="0"/>
-              <a:t>ARMA</a:t>
+              <a:t>SES</a:t>
             </a:r>
           </a:p>
           <a:p>
@@ -6418,7 +7025,7 @@
             </a:pPr>
             <a:r>
               <a:rPr lang="en-US" dirty="0"/>
-              <a:t>ARIMA</a:t>
+              <a:t>ARMA</a:t>
             </a:r>
           </a:p>
           <a:p>
@@ -6428,7 +7035,7 @@
             </a:pPr>
             <a:r>
               <a:rPr lang="en-US" dirty="0"/>
-              <a:t>SARIMA</a:t>
+              <a:t>ARIMA</a:t>
             </a:r>
           </a:p>
           <a:p>
@@ -6438,7 +7045,7 @@
             </a:pPr>
             <a:r>
               <a:rPr lang="en-US" dirty="0"/>
-              <a:t>ARCH</a:t>
+              <a:t>SARIMA</a:t>
             </a:r>
           </a:p>
           <a:p>
@@ -6448,11 +7055,67 @@
             </a:pPr>
             <a:r>
               <a:rPr lang="en-US" dirty="0"/>
+              <a:t>ARCH</a:t>
+            </a:r>
+          </a:p>
+          <a:p>
+            <a:pPr lvl="1">
+              <a:buFontTx/>
+              <a:buChar char="-"/>
+            </a:pPr>
+            <a:r>
+              <a:rPr lang="en-US" dirty="0"/>
               <a:t>GARCH</a:t>
             </a:r>
           </a:p>
         </p:txBody>
       </p:sp>
+      <p:pic>
+        <p:nvPicPr>
+          <p:cNvPr id="2050" name="Picture 2" descr="Learning from Stochastic Processes | Mathematical Institute">
+            <a:extLst>
+              <a:ext uri="{FF2B5EF4-FFF2-40B4-BE49-F238E27FC236}">
+                <a16:creationId xmlns:a16="http://schemas.microsoft.com/office/drawing/2014/main" id="{15CB60A2-B3E1-456B-AE78-2E546BBE8056}"/>
+              </a:ext>
+            </a:extLst>
+          </p:cNvPr>
+          <p:cNvPicPr>
+            <a:picLocks noChangeAspect="1" noChangeArrowheads="1"/>
+          </p:cNvPicPr>
+          <p:nvPr/>
+        </p:nvPicPr>
+        <p:blipFill>
+          <a:blip r:embed="rId3">
+            <a:extLst>
+              <a:ext uri="{28A0092B-C50C-407E-A947-70E740481C1C}">
+                <a14:useLocalDpi xmlns:a14="http://schemas.microsoft.com/office/drawing/2010/main" val="0"/>
+              </a:ext>
+            </a:extLst>
+          </a:blip>
+          <a:stretch>
+            <a:fillRect/>
+          </a:stretch>
+        </p:blipFill>
+        <p:spPr bwMode="auto">
+          <a:xfrm>
+            <a:off x="7598664" y="2101200"/>
+            <a:ext cx="3304622" cy="3304622"/>
+          </a:xfrm>
+          <a:prstGeom prst="rect">
+            <a:avLst/>
+          </a:prstGeom>
+          <a:noFill/>
+          <a:extLst>
+            <a:ext uri="{909E8E84-426E-40DD-AFC4-6F175D3DCCD1}">
+              <a14:hiddenFill xmlns:a14="http://schemas.microsoft.com/office/drawing/2010/main">
+                <a:solidFill>
+                  <a:srgbClr val="FFFFFF"/>
+                </a:solidFill>
+              </a14:hiddenFill>
+            </a:ext>
+          </a:extLst>
+        </p:spPr>
+      </p:pic>
     </p:spTree>
     <p:extLst>
       <p:ext uri="{BB962C8B-B14F-4D97-AF65-F5344CB8AC3E}">
@@ -6534,6 +7197,12 @@
           <a:p>
             <a:r>
               <a:rPr lang="en-US" dirty="0"/>
+              <a:t>Exponential Smoothing (ES)</a:t>
+            </a:r>
+          </a:p>
+          <a:p>
+            <a:r>
+              <a:rPr lang="en-US" dirty="0"/>
               <a:t>Autoregression (AR)</a:t>
             </a:r>
           </a:p>
@@ -6576,6 +7245,14 @@
 <file path=ppt/slides/slide7.xml><?xml version="1.0" encoding="utf-8"?>
 <p:sld xmlns:a="http://schemas.openxmlformats.org/drawingml/2006/main" xmlns:r="http://schemas.openxmlformats.org/officeDocument/2006/relationships" xmlns:p="http://schemas.openxmlformats.org/presentationml/2006/main">
   <p:cSld>
+    <p:bg>
+      <p:bgPr>
+        <a:solidFill>
+          <a:schemeClr val="bg1"/>
+        </a:solidFill>
+        <a:effectLst/>
+      </p:bgPr>
+    </p:bg>
     <p:spTree>
       <p:nvGrpSpPr>
         <p:cNvPr id="1" name=""/>
@@ -6595,7 +7272,7 @@
           <p:cNvPr id="2" name="Title 1">
             <a:extLst>
               <a:ext uri="{FF2B5EF4-FFF2-40B4-BE49-F238E27FC236}">
-                <a16:creationId xmlns:a16="http://schemas.microsoft.com/office/drawing/2014/main" id="{8047BA47-C922-42F6-8C88-BB50B35F8B14}"/>
+                <a16:creationId xmlns:a16="http://schemas.microsoft.com/office/drawing/2014/main" id="{CB17E12B-716F-4A58-8F2C-55433F2946BF}"/>
               </a:ext>
             </a:extLst>
           </p:cNvPr>
@@ -6606,14 +7283,21 @@
             <p:ph type="title"/>
           </p:nvPr>
         </p:nvSpPr>
-        <p:spPr/>
-        <p:txBody>
-          <a:bodyPr/>
+        <p:spPr>
+          <a:xfrm>
+            <a:off x="1261872" y="365760"/>
+            <a:ext cx="9692640" cy="1325562"/>
+          </a:xfrm>
+        </p:spPr>
+        <p:txBody>
+          <a:bodyPr>
+            <a:normAutofit/>
+          </a:bodyPr>
           <a:lstStyle/>
           <a:p>
             <a:r>
               <a:rPr lang="en-US" dirty="0"/>
-              <a:t>Autoregression (AR)</a:t>
+              <a:t>Exponential Smoothing (ES)</a:t>
             </a:r>
           </a:p>
         </p:txBody>
@@ -6623,7 +7307,7 @@
           <p:cNvPr id="3" name="Content Placeholder 2">
             <a:extLst>
               <a:ext uri="{FF2B5EF4-FFF2-40B4-BE49-F238E27FC236}">
-                <a16:creationId xmlns:a16="http://schemas.microsoft.com/office/drawing/2014/main" id="{C95284EA-E98B-4A43-AB0C-44A8AB5E624C}"/>
+                <a16:creationId xmlns:a16="http://schemas.microsoft.com/office/drawing/2014/main" id="{5A2787C9-A6E7-42F6-A794-85A8BE556662}"/>
               </a:ext>
             </a:extLst>
           </p:cNvPr>
@@ -6634,46 +7318,198 @@
             <p:ph idx="1"/>
           </p:nvPr>
         </p:nvSpPr>
-        <p:spPr/>
-        <p:txBody>
-          <a:bodyPr/>
+        <p:spPr>
+          <a:xfrm>
+            <a:off x="1261872" y="1828800"/>
+            <a:ext cx="5852160" cy="4351337"/>
+          </a:xfrm>
+        </p:spPr>
+        <p:txBody>
+          <a:bodyPr>
+            <a:normAutofit/>
+          </a:bodyPr>
           <a:lstStyle/>
           <a:p>
             <a:r>
               <a:rPr lang="en-US" dirty="0"/>
-              <a:t>Autoregressive models use input from previous steps in time, where the past steps are input into a regression model to predict the next step.</a:t>
-            </a:r>
-          </a:p>
-          <a:p>
-            <a:r>
-              <a:rPr lang="en-US" dirty="0"/>
-              <a:t>Assumption is that past events are useful for predicting future ones, that there is some correlation between past and future</a:t>
-            </a:r>
-          </a:p>
-          <a:p>
-            <a:r>
-              <a:rPr lang="en-US" dirty="0"/>
-              <a:t>Have to consider “lag”</a:t>
-            </a:r>
-          </a:p>
-          <a:p>
-            <a:r>
-              <a:rPr lang="en-US" dirty="0"/>
-              <a:t>Lag = </a:t>
-            </a:r>
-          </a:p>
-        </p:txBody>
-      </p:sp>
+              <a:t>Used when there is no clear trend or pattern</a:t>
+            </a:r>
+          </a:p>
+          <a:p>
+            <a:r>
+              <a:rPr lang="en-US" dirty="0"/>
+              <a:t>Controls rate by which the influence of recent values decays exponentially</a:t>
+            </a:r>
+          </a:p>
+          <a:p>
+            <a:r>
+              <a:rPr lang="en-US" dirty="0"/>
+              <a:t>Damping factor (alpha) -  a value from 0-1, with 1 indicating more attention is paid to recent values and 0 indicating attention is paid to the history of the series</a:t>
+            </a:r>
+          </a:p>
+        </p:txBody>
+      </p:sp>
+      <p:pic>
+        <p:nvPicPr>
+          <p:cNvPr id="3074" name="Picture 2" descr="Blog: Time-Series Forecasting: Exponential Smoothing Part 2 | Time series,  Exponential, Forecast">
+            <a:extLst>
+              <a:ext uri="{FF2B5EF4-FFF2-40B4-BE49-F238E27FC236}">
+                <a16:creationId xmlns:a16="http://schemas.microsoft.com/office/drawing/2014/main" id="{02DD3510-A17D-4CCE-9E7C-34296D4B3F33}"/>
+              </a:ext>
+            </a:extLst>
+          </p:cNvPr>
+          <p:cNvPicPr>
+            <a:picLocks noChangeAspect="1" noChangeArrowheads="1"/>
+          </p:cNvPicPr>
+          <p:nvPr/>
+        </p:nvPicPr>
+        <p:blipFill>
+          <a:blip r:embed="rId2">
+            <a:extLst>
+              <a:ext uri="{28A0092B-C50C-407E-A947-70E740481C1C}">
+                <a14:useLocalDpi xmlns:a14="http://schemas.microsoft.com/office/drawing/2010/main" val="0"/>
+              </a:ext>
+            </a:extLst>
+          </a:blip>
+          <a:stretch>
+            <a:fillRect/>
+          </a:stretch>
+        </p:blipFill>
+        <p:spPr bwMode="auto">
+          <a:xfrm>
+            <a:off x="7598664" y="3001709"/>
+            <a:ext cx="3304622" cy="1503603"/>
+          </a:xfrm>
+          <a:prstGeom prst="rect">
+            <a:avLst/>
+          </a:prstGeom>
+          <a:noFill/>
+          <a:extLst>
+            <a:ext uri="{909E8E84-426E-40DD-AFC4-6F175D3DCCD1}">
+              <a14:hiddenFill xmlns:a14="http://schemas.microsoft.com/office/drawing/2010/main">
+                <a:solidFill>
+                  <a:srgbClr val="FFFFFF"/>
+                </a:solidFill>
+              </a14:hiddenFill>
+            </a:ext>
+          </a:extLst>
+        </p:spPr>
+      </p:pic>
+      <p:pic>
+        <p:nvPicPr>
+          <p:cNvPr id="5" name="Picture 4">
+            <a:extLst>
+              <a:ext uri="{FF2B5EF4-FFF2-40B4-BE49-F238E27FC236}">
+                <a16:creationId xmlns:a16="http://schemas.microsoft.com/office/drawing/2014/main" id="{E9E91F13-95F2-4028-8269-E0C9E4ABCD86}"/>
+              </a:ext>
+            </a:extLst>
+          </p:cNvPr>
+          <p:cNvPicPr>
+            <a:picLocks noChangeAspect="1"/>
+          </p:cNvPicPr>
+          <p:nvPr/>
+        </p:nvPicPr>
+        <p:blipFill>
+          <a:blip r:embed="rId3"/>
+          <a:stretch>
+            <a:fillRect/>
+          </a:stretch>
+        </p:blipFill>
+        <p:spPr>
+          <a:xfrm>
+            <a:off x="1420073" y="1266092"/>
+            <a:ext cx="7538190" cy="3486883"/>
+          </a:xfrm>
+          <a:prstGeom prst="rect">
+            <a:avLst/>
+          </a:prstGeom>
+        </p:spPr>
+      </p:pic>
     </p:spTree>
     <p:extLst>
       <p:ext uri="{BB962C8B-B14F-4D97-AF65-F5344CB8AC3E}">
-        <p14:creationId xmlns:p14="http://schemas.microsoft.com/office/powerpoint/2010/main" val="4097309682"/>
+        <p14:creationId xmlns:p14="http://schemas.microsoft.com/office/powerpoint/2010/main" val="300611029"/>
       </p:ext>
     </p:extLst>
   </p:cSld>
   <p:clrMapOvr>
     <a:masterClrMapping/>
   </p:clrMapOvr>
+  <p:timing>
+    <p:tnLst>
+      <p:par>
+        <p:cTn id="1" dur="indefinite" restart="never" nodeType="tmRoot">
+          <p:childTnLst>
+            <p:seq concurrent="1" nextAc="seek">
+              <p:cTn id="2" dur="indefinite" nodeType="mainSeq">
+                <p:childTnLst>
+                  <p:par>
+                    <p:cTn id="3" fill="hold">
+                      <p:stCondLst>
+                        <p:cond delay="indefinite"/>
+                      </p:stCondLst>
+                      <p:childTnLst>
+                        <p:par>
+                          <p:cTn id="4" fill="hold">
+                            <p:stCondLst>
+                              <p:cond delay="0"/>
+                            </p:stCondLst>
+                            <p:childTnLst>
+                              <p:par>
+                                <p:cTn id="5" presetID="1" presetClass="entr" presetSubtype="0" fill="hold" nodeType="clickEffect">
+                                  <p:stCondLst>
+                                    <p:cond delay="0"/>
+                                  </p:stCondLst>
+                                  <p:childTnLst>
+                                    <p:set>
+                                      <p:cBhvr>
+                                        <p:cTn id="6" dur="1" fill="hold">
+                                          <p:stCondLst>
+                                            <p:cond delay="0"/>
+                                          </p:stCondLst>
+                                        </p:cTn>
+                                        <p:tgtEl>
+                                          <p:spTgt spid="5"/>
+                                        </p:tgtEl>
+                                        <p:attrNameLst>
+                                          <p:attrName>style.visibility</p:attrName>
+                                        </p:attrNameLst>
+                                      </p:cBhvr>
+                                      <p:to>
+                                        <p:strVal val="visible"/>
+                                      </p:to>
+                                    </p:set>
+                                  </p:childTnLst>
+                                </p:cTn>
+                              </p:par>
+                            </p:childTnLst>
+                          </p:cTn>
+                        </p:par>
+                      </p:childTnLst>
+                    </p:cTn>
+                  </p:par>
+                </p:childTnLst>
+              </p:cTn>
+              <p:prevCondLst>
+                <p:cond evt="onPrev" delay="0">
+                  <p:tgtEl>
+                    <p:sldTgt/>
+                  </p:tgtEl>
+                </p:cond>
+              </p:prevCondLst>
+              <p:nextCondLst>
+                <p:cond evt="onNext" delay="0">
+                  <p:tgtEl>
+                    <p:sldTgt/>
+                  </p:tgtEl>
+                </p:cond>
+              </p:nextCondLst>
+            </p:seq>
+          </p:childTnLst>
+        </p:cTn>
+      </p:par>
+    </p:tnLst>
+  </p:timing>
 </p:sld>
 </file>
 
@@ -6699,7 +7535,7 @@
           <p:cNvPr id="2" name="Title 1">
             <a:extLst>
               <a:ext uri="{FF2B5EF4-FFF2-40B4-BE49-F238E27FC236}">
-                <a16:creationId xmlns:a16="http://schemas.microsoft.com/office/drawing/2014/main" id="{37307100-754D-4D53-8BD0-1B3B43904502}"/>
+                <a16:creationId xmlns:a16="http://schemas.microsoft.com/office/drawing/2014/main" id="{8047BA47-C922-42F6-8C88-BB50B35F8B14}"/>
               </a:ext>
             </a:extLst>
           </p:cNvPr>
@@ -6717,7 +7553,7 @@
           <a:p>
             <a:r>
               <a:rPr lang="en-US" dirty="0"/>
-              <a:t>Order of Integration (I)</a:t>
+              <a:t>Autoregression (AR)</a:t>
             </a:r>
           </a:p>
         </p:txBody>
@@ -6727,7 +7563,7 @@
           <p:cNvPr id="3" name="Content Placeholder 2">
             <a:extLst>
               <a:ext uri="{FF2B5EF4-FFF2-40B4-BE49-F238E27FC236}">
-                <a16:creationId xmlns:a16="http://schemas.microsoft.com/office/drawing/2014/main" id="{0B8E9F76-E9CD-4F10-8AC1-5893C6B8408F}"/>
+                <a16:creationId xmlns:a16="http://schemas.microsoft.com/office/drawing/2014/main" id="{C95284EA-E98B-4A43-AB0C-44A8AB5E624C}"/>
               </a:ext>
             </a:extLst>
           </p:cNvPr>
@@ -6743,14 +7579,46 @@
           <a:bodyPr/>
           <a:lstStyle/>
           <a:p>
-            <a:endParaRPr lang="en-US"/>
+            <a:r>
+              <a:rPr lang="en-US" dirty="0"/>
+              <a:t>Autoregressive models use input from previous steps in time, where the past steps are input into a regression model to predict the next step. </a:t>
+            </a:r>
+          </a:p>
+          <a:p>
+            <a:r>
+              <a:rPr lang="en-US" dirty="0"/>
+              <a:t>Assumption is that past events are useful for predicting future ones, that there is some correlation between past and future</a:t>
+            </a:r>
+          </a:p>
+          <a:p>
+            <a:r>
+              <a:rPr lang="en-US" dirty="0"/>
+              <a:t>Lag (also called “backshift”) – past series values, important to consider how many are relevant and what spacing makes sense</a:t>
+            </a:r>
+          </a:p>
+          <a:p>
+            <a:r>
+              <a:rPr lang="en-US" dirty="0"/>
+              <a:t>AR(1) looks at the most recent past value, AR(2) looks at the past two values, </a:t>
+            </a:r>
+            <a:r>
+              <a:rPr lang="en-US" dirty="0" err="1"/>
+              <a:t>etc</a:t>
+            </a:r>
+            <a:r>
+              <a:rPr lang="en-US" dirty="0"/>
+              <a:t>…</a:t>
+            </a:r>
+          </a:p>
+          <a:p>
+            <a:endParaRPr lang="en-US" dirty="0"/>
           </a:p>
         </p:txBody>
       </p:sp>
     </p:spTree>
     <p:extLst>
       <p:ext uri="{BB962C8B-B14F-4D97-AF65-F5344CB8AC3E}">
-        <p14:creationId xmlns:p14="http://schemas.microsoft.com/office/powerpoint/2010/main" val="539354689"/>
+        <p14:creationId xmlns:p14="http://schemas.microsoft.com/office/powerpoint/2010/main" val="4097309682"/>
       </p:ext>
     </p:extLst>
   </p:cSld>
@@ -6763,6 +7631,14 @@
 <file path=ppt/slides/slide9.xml><?xml version="1.0" encoding="utf-8"?>
 <p:sld xmlns:a="http://schemas.openxmlformats.org/drawingml/2006/main" xmlns:r="http://schemas.openxmlformats.org/officeDocument/2006/relationships" xmlns:p="http://schemas.openxmlformats.org/presentationml/2006/main">
   <p:cSld>
+    <p:bg>
+      <p:bgPr>
+        <a:solidFill>
+          <a:schemeClr val="bg1"/>
+        </a:solidFill>
+        <a:effectLst/>
+      </p:bgPr>
+    </p:bg>
     <p:spTree>
       <p:nvGrpSpPr>
         <p:cNvPr id="1" name=""/>
@@ -6782,7 +7658,7 @@
           <p:cNvPr id="2" name="Title 1">
             <a:extLst>
               <a:ext uri="{FF2B5EF4-FFF2-40B4-BE49-F238E27FC236}">
-                <a16:creationId xmlns:a16="http://schemas.microsoft.com/office/drawing/2014/main" id="{620A1668-9378-4F21-B0CF-F039876D7019}"/>
+                <a16:creationId xmlns:a16="http://schemas.microsoft.com/office/drawing/2014/main" id="{37307100-754D-4D53-8BD0-1B3B43904502}"/>
               </a:ext>
             </a:extLst>
           </p:cNvPr>
@@ -6793,24 +7669,140 @@
             <p:ph type="title"/>
           </p:nvPr>
         </p:nvSpPr>
-        <p:spPr/>
-        <p:txBody>
-          <a:bodyPr/>
+        <p:spPr>
+          <a:xfrm>
+            <a:off x="5459767" y="365760"/>
+            <a:ext cx="5503200" cy="1325562"/>
+          </a:xfrm>
+        </p:spPr>
+        <p:txBody>
+          <a:bodyPr>
+            <a:normAutofit/>
+          </a:bodyPr>
           <a:lstStyle/>
           <a:p>
             <a:r>
               <a:rPr lang="en-US" dirty="0"/>
-              <a:t>Moving Average (MA)</a:t>
-            </a:r>
-          </a:p>
-        </p:txBody>
-      </p:sp>
+              <a:t>Order of Integration (I)</a:t>
+            </a:r>
+          </a:p>
+        </p:txBody>
+      </p:sp>
+      <p:sp>
+        <p:nvSpPr>
+          <p:cNvPr id="71" name="Rectangle 70">
+            <a:extLst>
+              <a:ext uri="{FF2B5EF4-FFF2-40B4-BE49-F238E27FC236}">
+                <a16:creationId xmlns:a16="http://schemas.microsoft.com/office/drawing/2014/main" id="{DD442888-3029-4F43-941E-A226052FBCD9}"/>
+              </a:ext>
+              <a:ext uri="{C183D7F6-B498-43B3-948B-1728B52AA6E4}">
+                <adec:decorative xmlns:adec="http://schemas.microsoft.com/office/drawing/2017/decorative" val="1"/>
+              </a:ext>
+            </a:extLst>
+          </p:cNvPr>
+          <p:cNvSpPr>
+            <a:spLocks noGrp="1" noRot="1" noChangeAspect="1" noMove="1" noResize="1" noEditPoints="1" noAdjustHandles="1" noChangeArrowheads="1" noChangeShapeType="1" noTextEdit="1"/>
+          </p:cNvSpPr>
+          <p:nvPr>
+            <p:extLst>
+              <p:ext uri="{386F3935-93C4-4BCD-93E2-E3B085C9AB24}">
+                <p16:designElem xmlns:p16="http://schemas.microsoft.com/office/powerpoint/2015/main" val="1"/>
+              </p:ext>
+            </p:extLst>
+          </p:nvPr>
+        </p:nvSpPr>
+        <p:spPr>
+          <a:xfrm>
+            <a:off x="0" y="0"/>
+            <a:ext cx="5105595" cy="6858000"/>
+          </a:xfrm>
+          <a:prstGeom prst="rect">
+            <a:avLst/>
+          </a:prstGeom>
+          <a:solidFill>
+            <a:srgbClr val="FFFFFF"/>
+          </a:solidFill>
+          <a:ln>
+            <a:noFill/>
+          </a:ln>
+        </p:spPr>
+        <p:style>
+          <a:lnRef idx="2">
+            <a:schemeClr val="accent1">
+              <a:shade val="50000"/>
+            </a:schemeClr>
+          </a:lnRef>
+          <a:fillRef idx="1">
+            <a:schemeClr val="accent1"/>
+          </a:fillRef>
+          <a:effectRef idx="0">
+            <a:schemeClr val="accent1"/>
+          </a:effectRef>
+          <a:fontRef idx="minor">
+            <a:schemeClr val="lt1"/>
+          </a:fontRef>
+        </p:style>
+        <p:txBody>
+          <a:bodyPr rtlCol="0" anchor="ctr"/>
+          <a:lstStyle/>
+          <a:p>
+            <a:pPr algn="ctr"/>
+            <a:endParaRPr lang="en-US"/>
+          </a:p>
+        </p:txBody>
+      </p:sp>
+      <p:pic>
+        <p:nvPicPr>
+          <p:cNvPr id="1026" name="Picture 2" descr="Stationarity in time series analysis | by Shay Palachy | Towards Data  Science">
+            <a:extLst>
+              <a:ext uri="{FF2B5EF4-FFF2-40B4-BE49-F238E27FC236}">
+                <a16:creationId xmlns:a16="http://schemas.microsoft.com/office/drawing/2014/main" id="{C18C02A7-A58B-4E3B-9FD4-8AE1B9D2F636}"/>
+              </a:ext>
+            </a:extLst>
+          </p:cNvPr>
+          <p:cNvPicPr>
+            <a:picLocks noChangeAspect="1" noChangeArrowheads="1"/>
+          </p:cNvPicPr>
+          <p:nvPr/>
+        </p:nvPicPr>
+        <p:blipFill>
+          <a:blip r:embed="rId3">
+            <a:extLst>
+              <a:ext uri="{28A0092B-C50C-407E-A947-70E740481C1C}">
+                <a14:useLocalDpi xmlns:a14="http://schemas.microsoft.com/office/drawing/2010/main" val="0"/>
+              </a:ext>
+            </a:extLst>
+          </a:blip>
+          <a:stretch>
+            <a:fillRect/>
+          </a:stretch>
+        </p:blipFill>
+        <p:spPr bwMode="auto">
+          <a:xfrm>
+            <a:off x="0" y="703385"/>
+            <a:ext cx="5187461" cy="5187461"/>
+          </a:xfrm>
+          <a:prstGeom prst="rect">
+            <a:avLst/>
+          </a:prstGeom>
+          <a:noFill/>
+          <a:extLst>
+            <a:ext uri="{909E8E84-426E-40DD-AFC4-6F175D3DCCD1}">
+              <a14:hiddenFill xmlns:a14="http://schemas.microsoft.com/office/drawing/2010/main">
+                <a:solidFill>
+                  <a:srgbClr val="FFFFFF"/>
+                </a:solidFill>
+              </a14:hiddenFill>
+            </a:ext>
+          </a:extLst>
+        </p:spPr>
+      </p:pic>
       <p:sp>
         <p:nvSpPr>
           <p:cNvPr id="3" name="Content Placeholder 2">
             <a:extLst>
               <a:ext uri="{FF2B5EF4-FFF2-40B4-BE49-F238E27FC236}">
-                <a16:creationId xmlns:a16="http://schemas.microsoft.com/office/drawing/2014/main" id="{99ED2EB7-96AA-4AF3-B403-14B70E8CB3CF}"/>
+                <a16:creationId xmlns:a16="http://schemas.microsoft.com/office/drawing/2014/main" id="{0B8E9F76-E9CD-4F10-8AC1-5893C6B8408F}"/>
               </a:ext>
             </a:extLst>
           </p:cNvPr>
@@ -6821,25 +7813,126 @@
             <p:ph idx="1"/>
           </p:nvPr>
         </p:nvSpPr>
-        <p:spPr/>
-        <p:txBody>
-          <a:bodyPr/>
+        <p:spPr>
+          <a:xfrm>
+            <a:off x="5459767" y="1828800"/>
+            <a:ext cx="5521094" cy="4351337"/>
+          </a:xfrm>
+        </p:spPr>
+        <p:txBody>
+          <a:bodyPr>
+            <a:normAutofit/>
+          </a:bodyPr>
           <a:lstStyle/>
           <a:p>
-            <a:endParaRPr lang="en-US"/>
+            <a:r>
+              <a:rPr lang="en-US" dirty="0"/>
+              <a:t>Used to make a series stationary</a:t>
+            </a:r>
+          </a:p>
+          <a:p>
+            <a:r>
+              <a:rPr lang="en-US" dirty="0"/>
+              <a:t>Stationarity – statistical processes that govern the way a timeseries dataset changes over time do not themselves change</a:t>
+            </a:r>
+          </a:p>
+          <a:p>
+            <a:r>
+              <a:rPr lang="en-US" dirty="0"/>
+              <a:t>How: subtract an observation from the observation at the previous time step</a:t>
+            </a:r>
           </a:p>
         </p:txBody>
       </p:sp>
     </p:spTree>
     <p:extLst>
       <p:ext uri="{BB962C8B-B14F-4D97-AF65-F5344CB8AC3E}">
-        <p14:creationId xmlns:p14="http://schemas.microsoft.com/office/powerpoint/2010/main" val="395636490"/>
+        <p14:creationId xmlns:p14="http://schemas.microsoft.com/office/powerpoint/2010/main" val="539354689"/>
       </p:ext>
     </p:extLst>
   </p:cSld>
   <p:clrMapOvr>
     <a:masterClrMapping/>
   </p:clrMapOvr>
+  <p:timing>
+    <p:tnLst>
+      <p:par>
+        <p:cTn id="1" dur="indefinite" restart="never" nodeType="tmRoot">
+          <p:childTnLst>
+            <p:seq concurrent="1" nextAc="seek">
+              <p:cTn id="2" dur="indefinite" nodeType="mainSeq">
+                <p:childTnLst>
+                  <p:par>
+                    <p:cTn id="3" fill="hold">
+                      <p:stCondLst>
+                        <p:cond delay="indefinite"/>
+                      </p:stCondLst>
+                      <p:childTnLst>
+                        <p:par>
+                          <p:cTn id="4" fill="hold">
+                            <p:stCondLst>
+                              <p:cond delay="0"/>
+                            </p:stCondLst>
+                            <p:childTnLst>
+                              <p:par>
+                                <p:cTn id="5" presetID="1" presetClass="entr" presetSubtype="0" fill="hold" nodeType="clickEffect">
+                                  <p:stCondLst>
+                                    <p:cond delay="0"/>
+                                  </p:stCondLst>
+                                  <p:childTnLst>
+                                    <p:set>
+                                      <p:cBhvr>
+                                        <p:cTn id="6" dur="1" fill="hold">
+                                          <p:stCondLst>
+                                            <p:cond delay="0"/>
+                                          </p:stCondLst>
+                                        </p:cTn>
+                                        <p:tgtEl>
+                                          <p:spTgt spid="3">
+                                            <p:txEl>
+                                              <p:pRg st="1" end="1"/>
+                                            </p:txEl>
+                                          </p:spTgt>
+                                        </p:tgtEl>
+                                        <p:attrNameLst>
+                                          <p:attrName>style.visibility</p:attrName>
+                                        </p:attrNameLst>
+                                      </p:cBhvr>
+                                      <p:to>
+                                        <p:strVal val="visible"/>
+                                      </p:to>
+                                    </p:set>
+                                  </p:childTnLst>
+                                </p:cTn>
+                              </p:par>
+                            </p:childTnLst>
+                          </p:cTn>
+                        </p:par>
+                      </p:childTnLst>
+                    </p:cTn>
+                  </p:par>
+                </p:childTnLst>
+              </p:cTn>
+              <p:prevCondLst>
+                <p:cond evt="onPrev" delay="0">
+                  <p:tgtEl>
+                    <p:sldTgt/>
+                  </p:tgtEl>
+                </p:cond>
+              </p:prevCondLst>
+              <p:nextCondLst>
+                <p:cond evt="onNext" delay="0">
+                  <p:tgtEl>
+                    <p:sldTgt/>
+                  </p:tgtEl>
+                </p:cond>
+              </p:nextCondLst>
+            </p:seq>
+          </p:childTnLst>
+        </p:cTn>
+      </p:par>
+    </p:tnLst>
+  </p:timing>
 </p:sld>
 </file>
 

--- a/course_material/week_11/week_11_presentation.pptx
+++ b/course_material/week_11/week_11_presentation.pptx
@@ -1836,7 +1836,7 @@
           <a:p>
             <a:fld id="{5CF9EFDB-215C-4120-ADCB-EAD745B7163E}" type="datetimeFigureOut">
               <a:rPr lang="en-US" smtClean="0"/>
-              <a:t>11/21/2021</a:t>
+              <a:t>12/1/2021</a:t>
             </a:fld>
             <a:endParaRPr lang="en-US"/>
           </a:p>
@@ -2729,7 +2729,7 @@
           <a:p>
             <a:fld id="{ACF1A1B0-862D-4909-A7DB-D8ADA062DFCA}" type="datetimeFigureOut">
               <a:rPr lang="en-US" dirty="0"/>
-              <a:t>11/21/2021</a:t>
+              <a:t>12/1/2021</a:t>
             </a:fld>
             <a:endParaRPr lang="en-US"/>
           </a:p>
@@ -2952,7 +2952,7 @@
           <a:p>
             <a:fld id="{7B156144-9CB7-4E3A-B87E-A382F9BE05EF}" type="datetimeFigureOut">
               <a:rPr lang="en-US" dirty="0"/>
-              <a:t>11/21/2021</a:t>
+              <a:t>12/1/2021</a:t>
             </a:fld>
             <a:endParaRPr lang="en-US"/>
           </a:p>
@@ -3130,7 +3130,7 @@
           <a:p>
             <a:fld id="{2643D55F-46AB-4791-9172-4FA8DD3A6A9C}" type="datetimeFigureOut">
               <a:rPr lang="en-US" dirty="0"/>
-              <a:t>11/21/2021</a:t>
+              <a:t>12/1/2021</a:t>
             </a:fld>
             <a:endParaRPr lang="en-US"/>
           </a:p>
@@ -3298,7 +3298,7 @@
           <a:p>
             <a:fld id="{58026881-8A08-449C-8D73-E5F201F814C1}" type="datetimeFigureOut">
               <a:rPr lang="en-US" dirty="0"/>
-              <a:t>11/21/2021</a:t>
+              <a:t>12/1/2021</a:t>
             </a:fld>
             <a:endParaRPr lang="en-US"/>
           </a:p>
@@ -3588,7 +3588,7 @@
           <a:p>
             <a:fld id="{1BEB5A5E-0C07-4E93-A112-D37B4D166B30}" type="datetimeFigureOut">
               <a:rPr lang="en-US" dirty="0"/>
-              <a:t>11/21/2021</a:t>
+              <a:t>12/1/2021</a:t>
             </a:fld>
             <a:endParaRPr lang="en-US"/>
           </a:p>
@@ -3911,7 +3911,7 @@
           <a:p>
             <a:fld id="{9E1F71C5-DC57-4358-A1EA-30C08AF6E3C5}" type="datetimeFigureOut">
               <a:rPr lang="en-US" dirty="0"/>
-              <a:t>11/21/2021</a:t>
+              <a:t>12/1/2021</a:t>
             </a:fld>
             <a:endParaRPr lang="en-US"/>
           </a:p>
@@ -4320,7 +4320,7 @@
           <a:p>
             <a:fld id="{12571DBA-DE60-4731-B773-47AAA185C143}" type="datetimeFigureOut">
               <a:rPr lang="en-US" dirty="0"/>
-              <a:t>11/21/2021</a:t>
+              <a:t>12/1/2021</a:t>
             </a:fld>
             <a:endParaRPr lang="en-US"/>
           </a:p>
@@ -4437,7 +4437,7 @@
           <a:p>
             <a:fld id="{4F170639-886C-4FCF-9EAB-ABB5DA3F3F4A}" type="datetimeFigureOut">
               <a:rPr lang="en-US" dirty="0"/>
-              <a:t>11/21/2021</a:t>
+              <a:t>12/1/2021</a:t>
             </a:fld>
             <a:endParaRPr lang="en-US"/>
           </a:p>
@@ -4532,7 +4532,7 @@
           <a:p>
             <a:fld id="{34C4A628-C83B-4C66-83F4-1711CE3738FD}" type="datetimeFigureOut">
               <a:rPr lang="en-US" dirty="0"/>
-              <a:t>11/21/2021</a:t>
+              <a:t>12/1/2021</a:t>
             </a:fld>
             <a:endParaRPr lang="en-US"/>
           </a:p>
@@ -4817,7 +4817,7 @@
           <a:p>
             <a:fld id="{B88C1D73-9400-43CA-A37F-F9B7D00DE14C}" type="datetimeFigureOut">
               <a:rPr lang="en-US" dirty="0"/>
-              <a:t>11/21/2021</a:t>
+              <a:t>12/1/2021</a:t>
             </a:fld>
             <a:endParaRPr lang="en-US"/>
           </a:p>
@@ -5089,7 +5089,7 @@
           <a:p>
             <a:fld id="{188B7711-B905-4633-B4D7-6F3A49A2E7D9}" type="datetimeFigureOut">
               <a:rPr lang="en-US" dirty="0"/>
-              <a:t>11/21/2021</a:t>
+              <a:t>12/1/2021</a:t>
             </a:fld>
             <a:endParaRPr lang="en-US"/>
           </a:p>
@@ -5339,7 +5339,7 @@
             <a:fld id="{89C235CF-BDA2-4E7E-8BBD-350479985E74}" type="datetimeFigureOut">
               <a:rPr lang="en-US" dirty="0"/>
               <a:pPr/>
-              <a:t>11/21/2021</a:t>
+              <a:t>12/1/2021</a:t>
             </a:fld>
             <a:endParaRPr lang="en-US"/>
           </a:p>
@@ -6271,15 +6271,8 @@
                 <a:effectLst/>
                 <a:latin typeface="Slack-Lato"/>
               </a:rPr>
-              <a:t>OutstandingOpsEngineer</a:t>
-            </a:r>
-            <a:endParaRPr lang="en-US" dirty="0">
-              <a:solidFill>
-                <a:schemeClr val="tx1"/>
-              </a:solidFill>
-            </a:endParaRPr>
-          </a:p>
-          <a:p>
+              <a:t>QuirkyQA</a:t>
+            </a:r>
             <a:endParaRPr lang="en-US" dirty="0">
               <a:solidFill>
                 <a:schemeClr val="tx1"/>
@@ -6724,7 +6717,15 @@
           <a:p>
             <a:r>
               <a:rPr lang="en-US" dirty="0"/>
-              <a:t>Review Homework (20 mins)</a:t>
+              <a:t>Review </a:t>
+            </a:r>
+            <a:r>
+              <a:rPr lang="en-US"/>
+              <a:t>Homework (15 </a:t>
+            </a:r>
+            <a:r>
+              <a:rPr lang="en-US" dirty="0"/>
+              <a:t>mins)</a:t>
             </a:r>
           </a:p>
           <a:p>
@@ -6742,7 +6743,7 @@
           <a:p>
             <a:r>
               <a:rPr lang="en-US" dirty="0"/>
-              <a:t>Time Series Analysis in Python (20 mins)</a:t>
+              <a:t>Time Series Analysis in Python (25 mins)</a:t>
             </a:r>
           </a:p>
           <a:p>
